--- a/Дипломная работа.pptx
+++ b/Дипломная работа.pptx
@@ -10,6 +10,7 @@
     <p:sldId id="258" r:id="rId4"/>
     <p:sldId id="259" r:id="rId5"/>
     <p:sldId id="260" r:id="rId6"/>
+    <p:sldId id="261" r:id="rId7"/>
   </p:sldIdLst>
   <p:sldSz cx="12192000" cy="6858000"/>
   <p:notesSz cx="6858000" cy="9144000"/>
@@ -839,7 +840,7 @@
             <a:fld id="{B61BEF0D-F0BB-DE4B-95CE-6DB70DBA9567}" type="datetimeFigureOut">
               <a:rPr lang="en-US" smtClean="0"/>
               <a:pPr/>
-              <a:t>3/16/2021</a:t>
+              <a:t>3/17/2021</a:t>
             </a:fld>
             <a:endParaRPr lang="en-US" dirty="0"/>
           </a:p>
@@ -1092,7 +1093,7 @@
             <a:fld id="{B61BEF0D-F0BB-DE4B-95CE-6DB70DBA9567}" type="datetimeFigureOut">
               <a:rPr lang="en-US" smtClean="0"/>
               <a:pPr/>
-              <a:t>3/16/2021</a:t>
+              <a:t>3/17/2021</a:t>
             </a:fld>
             <a:endParaRPr lang="en-US" dirty="0"/>
           </a:p>
@@ -1408,7 +1409,7 @@
             <a:fld id="{B61BEF0D-F0BB-DE4B-95CE-6DB70DBA9567}" type="datetimeFigureOut">
               <a:rPr lang="en-US" smtClean="0"/>
               <a:pPr/>
-              <a:t>3/16/2021</a:t>
+              <a:t>3/17/2021</a:t>
             </a:fld>
             <a:endParaRPr lang="en-US" dirty="0"/>
           </a:p>
@@ -1751,7 +1752,7 @@
             <a:fld id="{B61BEF0D-F0BB-DE4B-95CE-6DB70DBA9567}" type="datetimeFigureOut">
               <a:rPr lang="en-US" smtClean="0"/>
               <a:pPr/>
-              <a:t>3/16/2021</a:t>
+              <a:t>3/17/2021</a:t>
             </a:fld>
             <a:endParaRPr lang="en-US" dirty="0"/>
           </a:p>
@@ -2067,7 +2068,7 @@
             <a:fld id="{B61BEF0D-F0BB-DE4B-95CE-6DB70DBA9567}" type="datetimeFigureOut">
               <a:rPr lang="en-US" smtClean="0"/>
               <a:pPr/>
-              <a:t>3/16/2021</a:t>
+              <a:t>3/17/2021</a:t>
             </a:fld>
             <a:endParaRPr lang="en-US" dirty="0"/>
           </a:p>
@@ -2462,7 +2463,7 @@
             <a:fld id="{B61BEF0D-F0BB-DE4B-95CE-6DB70DBA9567}" type="datetimeFigureOut">
               <a:rPr lang="en-US" smtClean="0"/>
               <a:pPr/>
-              <a:t>3/16/2021</a:t>
+              <a:t>3/17/2021</a:t>
             </a:fld>
             <a:endParaRPr lang="en-US" dirty="0"/>
           </a:p>
@@ -2633,7 +2634,7 @@
           <a:p>
             <a:fld id="{55C6B4A9-1611-4792-9094-5F34BCA07E0B}" type="datetimeFigureOut">
               <a:rPr lang="en-US" smtClean="0"/>
-              <a:t>3/16/2021</a:t>
+              <a:t>3/17/2021</a:t>
             </a:fld>
             <a:endParaRPr lang="en-US" dirty="0"/>
           </a:p>
@@ -2814,7 +2815,7 @@
             <a:fld id="{B61BEF0D-F0BB-DE4B-95CE-6DB70DBA9567}" type="datetimeFigureOut">
               <a:rPr lang="en-US" smtClean="0"/>
               <a:pPr/>
-              <a:t>3/16/2021</a:t>
+              <a:t>3/17/2021</a:t>
             </a:fld>
             <a:endParaRPr lang="en-US" dirty="0"/>
           </a:p>
@@ -2992,7 +2993,7 @@
             <a:fld id="{B61BEF0D-F0BB-DE4B-95CE-6DB70DBA9567}" type="datetimeFigureOut">
               <a:rPr lang="en-US" smtClean="0"/>
               <a:pPr/>
-              <a:t>3/16/2021</a:t>
+              <a:t>3/17/2021</a:t>
             </a:fld>
             <a:endParaRPr lang="en-US" dirty="0"/>
           </a:p>
@@ -3241,7 +3242,7 @@
             <a:fld id="{B61BEF0D-F0BB-DE4B-95CE-6DB70DBA9567}" type="datetimeFigureOut">
               <a:rPr lang="en-US" smtClean="0"/>
               <a:pPr/>
-              <a:t>3/16/2021</a:t>
+              <a:t>3/17/2021</a:t>
             </a:fld>
             <a:endParaRPr lang="en-US" dirty="0"/>
           </a:p>
@@ -3474,7 +3475,7 @@
           <a:p>
             <a:fld id="{EB712588-04B1-427B-82EE-E8DB90309F08}" type="datetimeFigureOut">
               <a:rPr lang="en-US" smtClean="0"/>
-              <a:t>3/16/2021</a:t>
+              <a:t>3/17/2021</a:t>
             </a:fld>
             <a:endParaRPr lang="en-US" dirty="0"/>
           </a:p>
@@ -3849,7 +3850,7 @@
             <a:fld id="{B61BEF0D-F0BB-DE4B-95CE-6DB70DBA9567}" type="datetimeFigureOut">
               <a:rPr lang="en-US" smtClean="0"/>
               <a:pPr/>
-              <a:t>3/16/2021</a:t>
+              <a:t>3/17/2021</a:t>
             </a:fld>
             <a:endParaRPr lang="en-US" dirty="0"/>
           </a:p>
@@ -3974,7 +3975,7 @@
             <a:fld id="{B61BEF0D-F0BB-DE4B-95CE-6DB70DBA9567}" type="datetimeFigureOut">
               <a:rPr lang="en-US" smtClean="0"/>
               <a:pPr/>
-              <a:t>3/16/2021</a:t>
+              <a:t>3/17/2021</a:t>
             </a:fld>
             <a:endParaRPr lang="en-US" dirty="0"/>
           </a:p>
@@ -4071,7 +4072,7 @@
             <a:fld id="{B61BEF0D-F0BB-DE4B-95CE-6DB70DBA9567}" type="datetimeFigureOut">
               <a:rPr lang="en-US" smtClean="0"/>
               <a:pPr/>
-              <a:t>3/16/2021</a:t>
+              <a:t>3/17/2021</a:t>
             </a:fld>
             <a:endParaRPr lang="en-US" dirty="0"/>
           </a:p>
@@ -4327,7 +4328,7 @@
           <a:p>
             <a:fld id="{42A54C80-263E-416B-A8E0-580EDEADCBDC}" type="datetimeFigureOut">
               <a:rPr lang="en-US" smtClean="0"/>
-              <a:t>3/16/2021</a:t>
+              <a:t>3/17/2021</a:t>
             </a:fld>
             <a:endParaRPr lang="en-US" dirty="0"/>
           </a:p>
@@ -4591,7 +4592,7 @@
             <a:fld id="{B61BEF0D-F0BB-DE4B-95CE-6DB70DBA9567}" type="datetimeFigureOut">
               <a:rPr lang="en-US" smtClean="0"/>
               <a:pPr/>
-              <a:t>3/16/2021</a:t>
+              <a:t>3/17/2021</a:t>
             </a:fld>
             <a:endParaRPr lang="en-US" dirty="0"/>
           </a:p>
@@ -5336,7 +5337,7 @@
             <a:fld id="{B61BEF0D-F0BB-DE4B-95CE-6DB70DBA9567}" type="datetimeFigureOut">
               <a:rPr lang="en-US" smtClean="0"/>
               <a:pPr/>
-              <a:t>3/16/2021</a:t>
+              <a:t>3/17/2021</a:t>
             </a:fld>
             <a:endParaRPr lang="en-US" dirty="0"/>
           </a:p>
@@ -6788,6 +6789,65 @@
 </p:sld>
 </file>
 
+<file path=ppt/slides/slide6.xml><?xml version="1.0" encoding="utf-8"?>
+<p:sld xmlns:a="http://schemas.openxmlformats.org/drawingml/2006/main" xmlns:r="http://schemas.openxmlformats.org/officeDocument/2006/relationships" xmlns:p="http://schemas.openxmlformats.org/presentationml/2006/main">
+  <p:cSld>
+    <p:spTree>
+      <p:nvGrpSpPr>
+        <p:cNvPr id="1" name=""/>
+        <p:cNvGrpSpPr/>
+        <p:nvPr/>
+      </p:nvGrpSpPr>
+      <p:grpSpPr>
+        <a:xfrm>
+          <a:off x="0" y="0"/>
+          <a:ext cx="0" cy="0"/>
+          <a:chOff x="0" y="0"/>
+          <a:chExt cx="0" cy="0"/>
+        </a:xfrm>
+      </p:grpSpPr>
+      <p:sp>
+        <p:nvSpPr>
+          <p:cNvPr id="2" name="Заголовок 1"/>
+          <p:cNvSpPr>
+            <a:spLocks noGrp="1"/>
+          </p:cNvSpPr>
+          <p:nvPr>
+            <p:ph type="title"/>
+          </p:nvPr>
+        </p:nvSpPr>
+        <p:spPr>
+          <a:xfrm>
+            <a:off x="938591" y="2780175"/>
+            <a:ext cx="8596668" cy="1320800"/>
+          </a:xfrm>
+        </p:spPr>
+        <p:txBody>
+          <a:bodyPr/>
+          <a:lstStyle/>
+          <a:p>
+            <a:pPr algn="ctr"/>
+            <a:r>
+              <a:rPr lang="ru-RU" sz="8000" dirty="0" smtClean="0"/>
+              <a:t>ЗАПУСК ТЕСТОВ</a:t>
+            </a:r>
+            <a:endParaRPr lang="ru-RU" sz="8000" dirty="0"/>
+          </a:p>
+        </p:txBody>
+      </p:sp>
+    </p:spTree>
+    <p:extLst>
+      <p:ext uri="{BB962C8B-B14F-4D97-AF65-F5344CB8AC3E}">
+        <p14:creationId xmlns:p14="http://schemas.microsoft.com/office/powerpoint/2010/main" val="3636121194"/>
+      </p:ext>
+    </p:extLst>
+  </p:cSld>
+  <p:clrMapOvr>
+    <a:masterClrMapping/>
+  </p:clrMapOvr>
+</p:sld>
+</file>
+
 <file path=ppt/theme/theme1.xml><?xml version="1.0" encoding="utf-8"?>
 <a:theme xmlns:a="http://schemas.openxmlformats.org/drawingml/2006/main" name="Аспект">
   <a:themeElements>
